--- a/m1/FinalProject.pptx
+++ b/m1/FinalProject.pptx
@@ -113,6 +113,11 @@
       </a:defRPr>
     </a:lvl9pPr>
   </p:defaultTextStyle>
+  <p:extLst>
+    <p:ext uri="{EFAFB233-063F-42B5-8137-9DF3F51BA10A}">
+      <p15:sldGuideLst xmlns:p15="http://schemas.microsoft.com/office/powerpoint/2012/main"/>
+    </p:ext>
+  </p:extLst>
 </p:presentation>
 </file>
 
@@ -263,7 +268,7 @@
           <a:p>
             <a:fld id="{9686E81A-2217-4C1E-B4E1-FEDCECE0BAB0}" type="datetimeFigureOut">
               <a:rPr lang="ru-RU" smtClean="0"/>
-              <a:t>06.02.2022</a:t>
+              <a:t>07.02.2022</a:t>
             </a:fld>
             <a:endParaRPr lang="ru-RU"/>
           </a:p>
@@ -461,7 +466,7 @@
           <a:p>
             <a:fld id="{9686E81A-2217-4C1E-B4E1-FEDCECE0BAB0}" type="datetimeFigureOut">
               <a:rPr lang="ru-RU" smtClean="0"/>
-              <a:t>06.02.2022</a:t>
+              <a:t>07.02.2022</a:t>
             </a:fld>
             <a:endParaRPr lang="ru-RU"/>
           </a:p>
@@ -669,7 +674,7 @@
           <a:p>
             <a:fld id="{9686E81A-2217-4C1E-B4E1-FEDCECE0BAB0}" type="datetimeFigureOut">
               <a:rPr lang="ru-RU" smtClean="0"/>
-              <a:t>06.02.2022</a:t>
+              <a:t>07.02.2022</a:t>
             </a:fld>
             <a:endParaRPr lang="ru-RU"/>
           </a:p>
@@ -867,7 +872,7 @@
           <a:p>
             <a:fld id="{9686E81A-2217-4C1E-B4E1-FEDCECE0BAB0}" type="datetimeFigureOut">
               <a:rPr lang="ru-RU" smtClean="0"/>
-              <a:t>06.02.2022</a:t>
+              <a:t>07.02.2022</a:t>
             </a:fld>
             <a:endParaRPr lang="ru-RU"/>
           </a:p>
@@ -1142,7 +1147,7 @@
           <a:p>
             <a:fld id="{9686E81A-2217-4C1E-B4E1-FEDCECE0BAB0}" type="datetimeFigureOut">
               <a:rPr lang="ru-RU" smtClean="0"/>
-              <a:t>06.02.2022</a:t>
+              <a:t>07.02.2022</a:t>
             </a:fld>
             <a:endParaRPr lang="ru-RU"/>
           </a:p>
@@ -1407,7 +1412,7 @@
           <a:p>
             <a:fld id="{9686E81A-2217-4C1E-B4E1-FEDCECE0BAB0}" type="datetimeFigureOut">
               <a:rPr lang="ru-RU" smtClean="0"/>
-              <a:t>06.02.2022</a:t>
+              <a:t>07.02.2022</a:t>
             </a:fld>
             <a:endParaRPr lang="ru-RU"/>
           </a:p>
@@ -1819,7 +1824,7 @@
           <a:p>
             <a:fld id="{9686E81A-2217-4C1E-B4E1-FEDCECE0BAB0}" type="datetimeFigureOut">
               <a:rPr lang="ru-RU" smtClean="0"/>
-              <a:t>06.02.2022</a:t>
+              <a:t>07.02.2022</a:t>
             </a:fld>
             <a:endParaRPr lang="ru-RU"/>
           </a:p>
@@ -1960,7 +1965,7 @@
           <a:p>
             <a:fld id="{9686E81A-2217-4C1E-B4E1-FEDCECE0BAB0}" type="datetimeFigureOut">
               <a:rPr lang="ru-RU" smtClean="0"/>
-              <a:t>06.02.2022</a:t>
+              <a:t>07.02.2022</a:t>
             </a:fld>
             <a:endParaRPr lang="ru-RU"/>
           </a:p>
@@ -2073,7 +2078,7 @@
           <a:p>
             <a:fld id="{9686E81A-2217-4C1E-B4E1-FEDCECE0BAB0}" type="datetimeFigureOut">
               <a:rPr lang="ru-RU" smtClean="0"/>
-              <a:t>06.02.2022</a:t>
+              <a:t>07.02.2022</a:t>
             </a:fld>
             <a:endParaRPr lang="ru-RU"/>
           </a:p>
@@ -2384,7 +2389,7 @@
           <a:p>
             <a:fld id="{9686E81A-2217-4C1E-B4E1-FEDCECE0BAB0}" type="datetimeFigureOut">
               <a:rPr lang="ru-RU" smtClean="0"/>
-              <a:t>06.02.2022</a:t>
+              <a:t>07.02.2022</a:t>
             </a:fld>
             <a:endParaRPr lang="ru-RU"/>
           </a:p>
@@ -2672,7 +2677,7 @@
           <a:p>
             <a:fld id="{9686E81A-2217-4C1E-B4E1-FEDCECE0BAB0}" type="datetimeFigureOut">
               <a:rPr lang="ru-RU" smtClean="0"/>
-              <a:t>06.02.2022</a:t>
+              <a:t>07.02.2022</a:t>
             </a:fld>
             <a:endParaRPr lang="ru-RU"/>
           </a:p>
@@ -2913,7 +2918,7 @@
           <a:p>
             <a:fld id="{9686E81A-2217-4C1E-B4E1-FEDCECE0BAB0}" type="datetimeFigureOut">
               <a:rPr lang="ru-RU" smtClean="0"/>
-              <a:t>06.02.2022</a:t>
+              <a:t>07.02.2022</a:t>
             </a:fld>
             <a:endParaRPr lang="ru-RU"/>
           </a:p>
@@ -3373,6 +3378,16 @@
           </a:bodyPr>
           <a:lstStyle/>
           <a:p>
+            <a:r>
+              <a:rPr lang="en-US" sz="3200" dirty="0">
+                <a:solidFill>
+                  <a:schemeClr val="bg1">
+                    <a:lumMod val="95000"/>
+                  </a:schemeClr>
+                </a:solidFill>
+              </a:rPr>
+              <a:t/>
+            </a:r>
             <a:br>
               <a:rPr lang="en-US" sz="3200" dirty="0">
                 <a:solidFill>
@@ -3392,6 +3407,16 @@
               </a:rPr>
               <a:t>DevOps External Online Course</a:t>
             </a:r>
+            <a:r>
+              <a:rPr lang="en-US" sz="4400" dirty="0">
+                <a:solidFill>
+                  <a:schemeClr val="bg1">
+                    <a:lumMod val="95000"/>
+                  </a:schemeClr>
+                </a:solidFill>
+              </a:rPr>
+              <a:t/>
+            </a:r>
             <a:br>
               <a:rPr lang="en-US" sz="4400" dirty="0">
                 <a:solidFill>
@@ -3401,6 +3426,16 @@
                 </a:solidFill>
               </a:rPr>
             </a:br>
+            <a:r>
+              <a:rPr lang="en-US" sz="4400" dirty="0">
+                <a:solidFill>
+                  <a:schemeClr val="bg1">
+                    <a:lumMod val="95000"/>
+                  </a:schemeClr>
+                </a:solidFill>
+              </a:rPr>
+              <a:t/>
+            </a:r>
             <a:br>
               <a:rPr lang="en-US" sz="4400" dirty="0">
                 <a:solidFill>
@@ -3410,6 +3445,16 @@
                 </a:solidFill>
               </a:rPr>
             </a:br>
+            <a:r>
+              <a:rPr lang="en-US" sz="4400" dirty="0">
+                <a:solidFill>
+                  <a:schemeClr val="bg1">
+                    <a:lumMod val="95000"/>
+                  </a:schemeClr>
+                </a:solidFill>
+              </a:rPr>
+              <a:t/>
+            </a:r>
             <a:br>
               <a:rPr lang="en-US" sz="4400" dirty="0">
                 <a:solidFill>
@@ -3419,6 +3464,16 @@
                 </a:solidFill>
               </a:rPr>
             </a:br>
+            <a:r>
+              <a:rPr lang="ru-RU" sz="3600" dirty="0">
+                <a:solidFill>
+                  <a:schemeClr val="bg1">
+                    <a:lumMod val="95000"/>
+                  </a:schemeClr>
+                </a:solidFill>
+              </a:rPr>
+              <a:t/>
+            </a:r>
             <a:br>
               <a:rPr lang="ru-RU" sz="3600" dirty="0">
                 <a:solidFill>
@@ -3438,6 +3493,16 @@
               </a:rPr>
               <a:t>Final Project Presentation</a:t>
             </a:r>
+            <a:r>
+              <a:rPr lang="ru-RU" sz="4400" dirty="0">
+                <a:solidFill>
+                  <a:schemeClr val="bg1">
+                    <a:lumMod val="95000"/>
+                  </a:schemeClr>
+                </a:solidFill>
+              </a:rPr>
+              <a:t/>
+            </a:r>
             <a:br>
               <a:rPr lang="ru-RU" sz="4400" dirty="0">
                 <a:solidFill>
@@ -3487,6 +3552,16 @@
               </a:rPr>
               <a:t>Pipiline</a:t>
             </a:r>
+            <a:r>
+              <a:rPr lang="en-US" sz="3600" dirty="0">
+                <a:solidFill>
+                  <a:schemeClr val="bg1">
+                    <a:lumMod val="95000"/>
+                  </a:schemeClr>
+                </a:solidFill>
+              </a:rPr>
+              <a:t/>
+            </a:r>
             <a:br>
               <a:rPr lang="en-US" sz="3600" dirty="0">
                 <a:solidFill>
@@ -3506,6 +3581,16 @@
               </a:rPr>
               <a:t>PetClinic</a:t>
             </a:r>
+            <a:r>
+              <a:rPr lang="en-US" sz="4400" dirty="0">
+                <a:solidFill>
+                  <a:schemeClr val="bg1">
+                    <a:lumMod val="95000"/>
+                  </a:schemeClr>
+                </a:solidFill>
+              </a:rPr>
+              <a:t/>
+            </a:r>
             <a:br>
               <a:rPr lang="en-US" sz="4400" dirty="0">
                 <a:solidFill>
@@ -3515,6 +3600,16 @@
                 </a:solidFill>
               </a:rPr>
             </a:br>
+            <a:r>
+              <a:rPr lang="en-US" sz="4400" dirty="0">
+                <a:solidFill>
+                  <a:schemeClr val="bg1">
+                    <a:lumMod val="95000"/>
+                  </a:schemeClr>
+                </a:solidFill>
+              </a:rPr>
+              <a:t/>
+            </a:r>
             <a:br>
               <a:rPr lang="en-US" sz="4400" dirty="0">
                 <a:solidFill>
@@ -3524,6 +3619,16 @@
                 </a:solidFill>
               </a:rPr>
             </a:br>
+            <a:r>
+              <a:rPr lang="en-US" sz="4400" dirty="0">
+                <a:solidFill>
+                  <a:schemeClr val="bg1">
+                    <a:lumMod val="95000"/>
+                  </a:schemeClr>
+                </a:solidFill>
+              </a:rPr>
+              <a:t/>
+            </a:r>
             <a:br>
               <a:rPr lang="en-US" sz="4400" dirty="0">
                 <a:solidFill>
@@ -3533,6 +3638,16 @@
                 </a:solidFill>
               </a:rPr>
             </a:br>
+            <a:r>
+              <a:rPr lang="ru-RU" sz="4400" dirty="0">
+                <a:solidFill>
+                  <a:schemeClr val="bg1">
+                    <a:lumMod val="95000"/>
+                  </a:schemeClr>
+                </a:solidFill>
+              </a:rPr>
+              <a:t/>
+            </a:r>
             <a:br>
               <a:rPr lang="ru-RU" sz="4400" dirty="0">
                 <a:solidFill>
@@ -3552,6 +3667,16 @@
               </a:rPr>
               <a:t>Sinelnik Igor</a:t>
             </a:r>
+            <a:r>
+              <a:rPr lang="en-US" sz="4400" dirty="0">
+                <a:solidFill>
+                  <a:schemeClr val="bg1">
+                    <a:lumMod val="95000"/>
+                  </a:schemeClr>
+                </a:solidFill>
+              </a:rPr>
+              <a:t/>
+            </a:r>
             <a:br>
               <a:rPr lang="en-US" sz="4400" dirty="0">
                 <a:solidFill>
@@ -3561,6 +3686,10 @@
                 </a:solidFill>
               </a:rPr>
             </a:br>
+            <a:r>
+              <a:rPr lang="ru-RU" sz="2000" dirty="0"/>
+              <a:t/>
+            </a:r>
             <a:br>
               <a:rPr lang="ru-RU" sz="2000" dirty="0"/>
             </a:br>
@@ -3641,6 +3770,16 @@
           </a:bodyPr>
           <a:lstStyle/>
           <a:p>
+            <a:r>
+              <a:rPr lang="en-US" sz="3200" dirty="0">
+                <a:solidFill>
+                  <a:schemeClr val="bg1">
+                    <a:lumMod val="95000"/>
+                  </a:schemeClr>
+                </a:solidFill>
+              </a:rPr>
+              <a:t/>
+            </a:r>
             <a:br>
               <a:rPr lang="en-US" sz="3200" dirty="0">
                 <a:solidFill>
@@ -3650,6 +3789,10 @@
                 </a:solidFill>
               </a:rPr>
             </a:br>
+            <a:r>
+              <a:rPr lang="ru-RU" sz="2000" dirty="0"/>
+              <a:t/>
+            </a:r>
             <a:br>
               <a:rPr lang="ru-RU" sz="2000" dirty="0"/>
             </a:br>
@@ -3704,10 +3847,10 @@
           <a:p>
             <a:pPr algn="ctr"/>
             <a:r>
-              <a:rPr lang="en-US" sz="4800" dirty="0">
+              <a:rPr lang="en-US" sz="4800" dirty="0" smtClean="0">
                 <a:latin typeface="+mj-lt"/>
               </a:rPr>
-              <a:t>Text</a:t>
+              <a:t>It Works!</a:t>
             </a:r>
             <a:endParaRPr lang="ru-RU" sz="1600" dirty="0">
               <a:latin typeface="+mj-lt"/>
@@ -3715,6 +3858,36 @@
           </a:p>
         </p:txBody>
       </p:sp>
+      <p:pic>
+        <p:nvPicPr>
+          <p:cNvPr id="3" name="Рисунок 2"/>
+          <p:cNvPicPr>
+            <a:picLocks noChangeAspect="1"/>
+          </p:cNvPicPr>
+          <p:nvPr/>
+        </p:nvPicPr>
+        <p:blipFill>
+          <a:blip r:embed="rId2">
+            <a:extLst>
+              <a:ext uri="{28A0092B-C50C-407E-A947-70E740481C1C}">
+                <a14:useLocalDpi xmlns:a14="http://schemas.microsoft.com/office/drawing/2010/main" val="0"/>
+              </a:ext>
+            </a:extLst>
+          </a:blip>
+          <a:stretch>
+            <a:fillRect/>
+          </a:stretch>
+        </p:blipFill>
+        <p:spPr>
+          <a:xfrm>
+            <a:off x="1066800" y="1234384"/>
+            <a:ext cx="10058400" cy="5010364"/>
+          </a:xfrm>
+          <a:prstGeom prst="rect">
+            <a:avLst/>
+          </a:prstGeom>
+        </p:spPr>
+      </p:pic>
     </p:spTree>
     <p:extLst>
       <p:ext uri="{BB962C8B-B14F-4D97-AF65-F5344CB8AC3E}">
@@ -3788,6 +3961,16 @@
           </a:bodyPr>
           <a:lstStyle/>
           <a:p>
+            <a:r>
+              <a:rPr lang="en-US" sz="4400" dirty="0">
+                <a:solidFill>
+                  <a:schemeClr val="bg1">
+                    <a:lumMod val="95000"/>
+                  </a:schemeClr>
+                </a:solidFill>
+              </a:rPr>
+              <a:t/>
+            </a:r>
             <a:br>
               <a:rPr lang="en-US" sz="4400" dirty="0">
                 <a:solidFill>
@@ -3797,6 +3980,10 @@
                 </a:solidFill>
               </a:rPr>
             </a:br>
+            <a:r>
+              <a:rPr lang="ru-RU" sz="2000" dirty="0"/>
+              <a:t/>
+            </a:r>
             <a:br>
               <a:rPr lang="ru-RU" sz="2000" dirty="0"/>
             </a:br>
@@ -3819,7 +4006,7 @@
           <p:nvPr/>
         </p:nvPicPr>
         <p:blipFill>
-          <a:blip r:embed="rId2">
+          <a:blip r:embed="rId2" cstate="hqprint">
             <a:extLst>
               <a:ext uri="{28A0092B-C50C-407E-A947-70E740481C1C}">
                 <a14:useLocalDpi xmlns:a14="http://schemas.microsoft.com/office/drawing/2010/main" val="0"/>
@@ -3995,6 +4182,16 @@
           </a:bodyPr>
           <a:lstStyle/>
           <a:p>
+            <a:r>
+              <a:rPr lang="en-US" sz="4400" dirty="0">
+                <a:solidFill>
+                  <a:schemeClr val="bg1">
+                    <a:lumMod val="95000"/>
+                  </a:schemeClr>
+                </a:solidFill>
+              </a:rPr>
+              <a:t/>
+            </a:r>
             <a:br>
               <a:rPr lang="en-US" sz="4400" dirty="0">
                 <a:solidFill>
@@ -4004,6 +4201,16 @@
                 </a:solidFill>
               </a:rPr>
             </a:br>
+            <a:r>
+              <a:rPr lang="en-US" sz="4400" dirty="0">
+                <a:solidFill>
+                  <a:schemeClr val="bg1">
+                    <a:lumMod val="95000"/>
+                  </a:schemeClr>
+                </a:solidFill>
+              </a:rPr>
+              <a:t/>
+            </a:r>
             <a:br>
               <a:rPr lang="en-US" sz="4400" dirty="0">
                 <a:solidFill>
@@ -4013,6 +4220,16 @@
                 </a:solidFill>
               </a:rPr>
             </a:br>
+            <a:r>
+              <a:rPr lang="en-US" sz="4400" dirty="0">
+                <a:solidFill>
+                  <a:schemeClr val="bg1">
+                    <a:lumMod val="95000"/>
+                  </a:schemeClr>
+                </a:solidFill>
+              </a:rPr>
+              <a:t/>
+            </a:r>
             <a:br>
               <a:rPr lang="en-US" sz="4400" dirty="0">
                 <a:solidFill>
@@ -4022,6 +4239,16 @@
                 </a:solidFill>
               </a:rPr>
             </a:br>
+            <a:r>
+              <a:rPr lang="en-US" sz="4400" dirty="0">
+                <a:solidFill>
+                  <a:schemeClr val="bg1">
+                    <a:lumMod val="95000"/>
+                  </a:schemeClr>
+                </a:solidFill>
+              </a:rPr>
+              <a:t/>
+            </a:r>
             <a:br>
               <a:rPr lang="en-US" sz="4400" dirty="0">
                 <a:solidFill>
@@ -4031,6 +4258,10 @@
                 </a:solidFill>
               </a:rPr>
             </a:br>
+            <a:r>
+              <a:rPr lang="ru-RU" sz="2000" dirty="0"/>
+              <a:t/>
+            </a:r>
             <a:br>
               <a:rPr lang="ru-RU" sz="2000" dirty="0"/>
             </a:br>
@@ -4238,6 +4469,16 @@
           </a:bodyPr>
           <a:lstStyle/>
           <a:p>
+            <a:r>
+              <a:rPr lang="en-US" sz="2800" dirty="0">
+                <a:solidFill>
+                  <a:schemeClr val="bg1">
+                    <a:lumMod val="95000"/>
+                  </a:schemeClr>
+                </a:solidFill>
+              </a:rPr>
+              <a:t/>
+            </a:r>
             <a:br>
               <a:rPr lang="en-US" sz="2800" dirty="0">
                 <a:solidFill>
@@ -4247,6 +4488,10 @@
                 </a:solidFill>
               </a:rPr>
             </a:br>
+            <a:r>
+              <a:rPr lang="ru-RU" sz="1800" dirty="0"/>
+              <a:t/>
+            </a:r>
             <a:br>
               <a:rPr lang="ru-RU" sz="1800" dirty="0"/>
             </a:br>
@@ -4327,7 +4572,7 @@
           <p:nvPr/>
         </p:nvPicPr>
         <p:blipFill>
-          <a:blip r:embed="rId2">
+          <a:blip r:embed="rId2" cstate="hqprint">
             <a:extLst>
               <a:ext uri="{28A0092B-C50C-407E-A947-70E740481C1C}">
                 <a14:useLocalDpi xmlns:a14="http://schemas.microsoft.com/office/drawing/2010/main" val="0"/>
@@ -4376,7 +4621,7 @@
         </p:blipFill>
         <p:spPr>
           <a:xfrm>
-            <a:off x="8196280" y="2095738"/>
+            <a:off x="8181860" y="1021586"/>
             <a:ext cx="3595313" cy="2666524"/>
           </a:xfrm>
           <a:prstGeom prst="rect">
@@ -4399,7 +4644,7 @@
           <p:nvPr/>
         </p:nvPicPr>
         <p:blipFill>
-          <a:blip r:embed="rId4">
+          <a:blip r:embed="rId4" cstate="hqprint">
             <a:extLst>
               <a:ext uri="{28A0092B-C50C-407E-A947-70E740481C1C}">
                 <a14:useLocalDpi xmlns:a14="http://schemas.microsoft.com/office/drawing/2010/main" val="0"/>
@@ -4420,6 +4665,70 @@
           </a:prstGeom>
         </p:spPr>
       </p:pic>
+      <p:sp>
+        <p:nvSpPr>
+          <p:cNvPr id="4" name="Прямоугольник 3"/>
+          <p:cNvSpPr/>
+          <p:nvPr/>
+        </p:nvSpPr>
+        <p:spPr>
+          <a:xfrm>
+            <a:off x="9094210" y="3278487"/>
+            <a:ext cx="1770611" cy="1134980"/>
+          </a:xfrm>
+          <a:prstGeom prst="rect">
+            <a:avLst/>
+          </a:prstGeom>
+          <a:noFill/>
+          <a:ln>
+            <a:solidFill>
+              <a:srgbClr val="F39803"/>
+            </a:solidFill>
+          </a:ln>
+        </p:spPr>
+        <p:style>
+          <a:lnRef idx="2">
+            <a:schemeClr val="accent1">
+              <a:shade val="50000"/>
+            </a:schemeClr>
+          </a:lnRef>
+          <a:fillRef idx="1">
+            <a:schemeClr val="accent1"/>
+          </a:fillRef>
+          <a:effectRef idx="0">
+            <a:schemeClr val="accent1"/>
+          </a:effectRef>
+          <a:fontRef idx="minor">
+            <a:schemeClr val="lt1"/>
+          </a:fontRef>
+        </p:style>
+        <p:txBody>
+          <a:bodyPr rtlCol="0" anchor="ctr"/>
+          <a:lstStyle/>
+          <a:p>
+            <a:pPr algn="ctr"/>
+            <a:r>
+              <a:rPr lang="en-US" dirty="0" smtClean="0"/>
+              <a:t>Instances:</a:t>
+            </a:r>
+            <a:br>
+              <a:rPr lang="en-US" dirty="0" smtClean="0"/>
+            </a:br>
+            <a:r>
+              <a:rPr lang="en-US" dirty="0" smtClean="0"/>
+              <a:t>Server -Jenkins</a:t>
+            </a:r>
+            <a:br>
+              <a:rPr lang="en-US" dirty="0" smtClean="0"/>
+            </a:br>
+            <a:r>
+              <a:rPr lang="en-US" dirty="0" smtClean="0"/>
+              <a:t>Server - WEB</a:t>
+            </a:r>
+            <a:endParaRPr lang="ru-RU" dirty="0"/>
+          </a:p>
+        </p:txBody>
+      </p:sp>
     </p:spTree>
     <p:extLst>
       <p:ext uri="{BB962C8B-B14F-4D97-AF65-F5344CB8AC3E}">
@@ -4493,6 +4802,16 @@
           </a:bodyPr>
           <a:lstStyle/>
           <a:p>
+            <a:r>
+              <a:rPr lang="en-US" sz="3200" dirty="0">
+                <a:solidFill>
+                  <a:schemeClr val="bg1">
+                    <a:lumMod val="95000"/>
+                  </a:schemeClr>
+                </a:solidFill>
+              </a:rPr>
+              <a:t/>
+            </a:r>
             <a:br>
               <a:rPr lang="en-US" sz="3200" dirty="0">
                 <a:solidFill>
@@ -4502,6 +4821,10 @@
                 </a:solidFill>
               </a:rPr>
             </a:br>
+            <a:r>
+              <a:rPr lang="ru-RU" sz="2000" dirty="0"/>
+              <a:t/>
+            </a:r>
             <a:br>
               <a:rPr lang="ru-RU" sz="2000" dirty="0"/>
             </a:br>
@@ -4582,7 +4905,7 @@
           <p:nvPr/>
         </p:nvPicPr>
         <p:blipFill>
-          <a:blip r:embed="rId2">
+          <a:blip r:embed="rId2" cstate="hqprint">
             <a:extLst>
               <a:ext uri="{28A0092B-C50C-407E-A947-70E740481C1C}">
                 <a14:useLocalDpi xmlns:a14="http://schemas.microsoft.com/office/drawing/2010/main" val="0"/>
@@ -4654,7 +4977,7 @@
           <p:nvPr/>
         </p:nvPicPr>
         <p:blipFill>
-          <a:blip r:embed="rId4">
+          <a:blip r:embed="rId4" cstate="hqprint">
             <a:extLst>
               <a:ext uri="{28A0092B-C50C-407E-A947-70E740481C1C}">
                 <a14:useLocalDpi xmlns:a14="http://schemas.microsoft.com/office/drawing/2010/main" val="0"/>
@@ -5019,6 +5342,16 @@
           </a:bodyPr>
           <a:lstStyle/>
           <a:p>
+            <a:r>
+              <a:rPr lang="en-US" sz="3200" dirty="0">
+                <a:solidFill>
+                  <a:schemeClr val="bg1">
+                    <a:lumMod val="95000"/>
+                  </a:schemeClr>
+                </a:solidFill>
+              </a:rPr>
+              <a:t/>
+            </a:r>
             <a:br>
               <a:rPr lang="en-US" sz="3200" dirty="0">
                 <a:solidFill>
@@ -5028,6 +5361,10 @@
                 </a:solidFill>
               </a:rPr>
             </a:br>
+            <a:r>
+              <a:rPr lang="ru-RU" sz="2000" dirty="0"/>
+              <a:t/>
+            </a:r>
             <a:br>
               <a:rPr lang="ru-RU" sz="2000" dirty="0"/>
             </a:br>
@@ -5228,6 +5565,16 @@
           </a:bodyPr>
           <a:lstStyle/>
           <a:p>
+            <a:r>
+              <a:rPr lang="en-US" sz="3200" dirty="0">
+                <a:solidFill>
+                  <a:schemeClr val="bg1">
+                    <a:lumMod val="95000"/>
+                  </a:schemeClr>
+                </a:solidFill>
+              </a:rPr>
+              <a:t/>
+            </a:r>
             <a:br>
               <a:rPr lang="en-US" sz="3200" dirty="0">
                 <a:solidFill>
@@ -5237,6 +5584,10 @@
                 </a:solidFill>
               </a:rPr>
             </a:br>
+            <a:r>
+              <a:rPr lang="ru-RU" sz="2000" dirty="0"/>
+              <a:t/>
+            </a:r>
             <a:br>
               <a:rPr lang="ru-RU" sz="2000" dirty="0"/>
             </a:br>
@@ -5259,7 +5610,7 @@
           <p:nvPr/>
         </p:nvPicPr>
         <p:blipFill>
-          <a:blip r:embed="rId2">
+          <a:blip r:embed="rId2" cstate="hqprint">
             <a:extLst>
               <a:ext uri="{28A0092B-C50C-407E-A947-70E740481C1C}">
                 <a14:useLocalDpi xmlns:a14="http://schemas.microsoft.com/office/drawing/2010/main" val="0"/>
@@ -5743,6 +6094,16 @@
           </a:bodyPr>
           <a:lstStyle/>
           <a:p>
+            <a:r>
+              <a:rPr lang="en-US" sz="3200" dirty="0">
+                <a:solidFill>
+                  <a:schemeClr val="bg1">
+                    <a:lumMod val="95000"/>
+                  </a:schemeClr>
+                </a:solidFill>
+              </a:rPr>
+              <a:t/>
+            </a:r>
             <a:br>
               <a:rPr lang="en-US" sz="3200" dirty="0">
                 <a:solidFill>
@@ -5752,6 +6113,10 @@
                 </a:solidFill>
               </a:rPr>
             </a:br>
+            <a:r>
+              <a:rPr lang="ru-RU" sz="2000" dirty="0"/>
+              <a:t/>
+            </a:r>
             <a:br>
               <a:rPr lang="ru-RU" sz="2000" dirty="0"/>
             </a:br>
@@ -5774,7 +6139,7 @@
           <p:nvPr/>
         </p:nvPicPr>
         <p:blipFill>
-          <a:blip r:embed="rId2">
+          <a:blip r:embed="rId2" cstate="hqprint">
             <a:extLst>
               <a:ext uri="{28A0092B-C50C-407E-A947-70E740481C1C}">
                 <a14:useLocalDpi xmlns:a14="http://schemas.microsoft.com/office/drawing/2010/main" val="0"/>
@@ -6252,6 +6617,16 @@
           </a:bodyPr>
           <a:lstStyle/>
           <a:p>
+            <a:r>
+              <a:rPr lang="en-US" sz="3200" dirty="0">
+                <a:solidFill>
+                  <a:schemeClr val="bg1">
+                    <a:lumMod val="95000"/>
+                  </a:schemeClr>
+                </a:solidFill>
+              </a:rPr>
+              <a:t/>
+            </a:r>
             <a:br>
               <a:rPr lang="en-US" sz="3200" dirty="0">
                 <a:solidFill>
@@ -6261,6 +6636,10 @@
                 </a:solidFill>
               </a:rPr>
             </a:br>
+            <a:r>
+              <a:rPr lang="ru-RU" sz="2000" dirty="0"/>
+              <a:t/>
+            </a:r>
             <a:br>
               <a:rPr lang="ru-RU" sz="2000" dirty="0"/>
             </a:br>
@@ -6315,14 +6694,614 @@
           <a:p>
             <a:pPr algn="ctr"/>
             <a:r>
-              <a:rPr lang="en-US" sz="4800" dirty="0">
+              <a:rPr lang="en-US" sz="4000" dirty="0" smtClean="0">
                 <a:latin typeface="+mj-lt"/>
               </a:rPr>
-              <a:t>Text</a:t>
-            </a:r>
-            <a:endParaRPr lang="ru-RU" sz="1600" dirty="0">
+              <a:t>Publication java app as Service</a:t>
+            </a:r>
+            <a:endParaRPr lang="ru-RU" sz="1200" dirty="0">
               <a:latin typeface="+mj-lt"/>
             </a:endParaRPr>
+          </a:p>
+        </p:txBody>
+      </p:sp>
+      <p:pic>
+        <p:nvPicPr>
+          <p:cNvPr id="3" name="Рисунок 2"/>
+          <p:cNvPicPr>
+            <a:picLocks noChangeAspect="1"/>
+          </p:cNvPicPr>
+          <p:nvPr/>
+        </p:nvPicPr>
+        <p:blipFill>
+          <a:blip r:embed="rId2">
+            <a:extLst>
+              <a:ext uri="{28A0092B-C50C-407E-A947-70E740481C1C}">
+                <a14:useLocalDpi xmlns:a14="http://schemas.microsoft.com/office/drawing/2010/main" val="0"/>
+              </a:ext>
+            </a:extLst>
+          </a:blip>
+          <a:stretch>
+            <a:fillRect/>
+          </a:stretch>
+        </p:blipFill>
+        <p:spPr>
+          <a:xfrm>
+            <a:off x="722168" y="2579024"/>
+            <a:ext cx="3848100" cy="2514600"/>
+          </a:xfrm>
+          <a:prstGeom prst="rect">
+            <a:avLst/>
+          </a:prstGeom>
+        </p:spPr>
+      </p:pic>
+      <p:sp>
+        <p:nvSpPr>
+          <p:cNvPr id="4" name="Прямоугольник 3"/>
+          <p:cNvSpPr/>
+          <p:nvPr/>
+        </p:nvSpPr>
+        <p:spPr>
+          <a:xfrm>
+            <a:off x="722168" y="1546167"/>
+            <a:ext cx="3848099" cy="914400"/>
+          </a:xfrm>
+          <a:prstGeom prst="rect">
+            <a:avLst/>
+          </a:prstGeom>
+          <a:noFill/>
+          <a:ln>
+            <a:solidFill>
+              <a:srgbClr val="F39803"/>
+            </a:solidFill>
+          </a:ln>
+        </p:spPr>
+        <p:style>
+          <a:lnRef idx="2">
+            <a:schemeClr val="accent1">
+              <a:shade val="50000"/>
+            </a:schemeClr>
+          </a:lnRef>
+          <a:fillRef idx="1">
+            <a:schemeClr val="accent1"/>
+          </a:fillRef>
+          <a:effectRef idx="0">
+            <a:schemeClr val="accent1"/>
+          </a:effectRef>
+          <a:fontRef idx="minor">
+            <a:schemeClr val="lt1"/>
+          </a:fontRef>
+        </p:style>
+        <p:txBody>
+          <a:bodyPr rtlCol="0" anchor="ctr"/>
+          <a:lstStyle/>
+          <a:p>
+            <a:pPr algn="ctr"/>
+            <a:r>
+              <a:rPr lang="en-US" dirty="0" smtClean="0"/>
+              <a:t>Start </a:t>
+            </a:r>
+            <a:r>
+              <a:rPr lang="en-US" dirty="0"/>
+              <a:t>job “</a:t>
+            </a:r>
+            <a:r>
+              <a:rPr lang="en-US" dirty="0" err="1"/>
+              <a:t>Petclinic</a:t>
+            </a:r>
+            <a:r>
+              <a:rPr lang="en-US" dirty="0"/>
+              <a:t> as service</a:t>
+            </a:r>
+            <a:r>
+              <a:rPr lang="en-US" dirty="0" smtClean="0"/>
+              <a:t>” if previously job ended right!</a:t>
+            </a:r>
+            <a:endParaRPr lang="ru-RU" dirty="0"/>
+          </a:p>
+        </p:txBody>
+      </p:sp>
+      <p:sp>
+        <p:nvSpPr>
+          <p:cNvPr id="6" name="Прямоугольник 5"/>
+          <p:cNvSpPr/>
+          <p:nvPr/>
+        </p:nvSpPr>
+        <p:spPr>
+          <a:xfrm>
+            <a:off x="4995948" y="980902"/>
+            <a:ext cx="6641869" cy="5769033"/>
+          </a:xfrm>
+          <a:prstGeom prst="rect">
+            <a:avLst/>
+          </a:prstGeom>
+          <a:noFill/>
+          <a:ln>
+            <a:solidFill>
+              <a:srgbClr val="F39803"/>
+            </a:solidFill>
+          </a:ln>
+        </p:spPr>
+        <p:style>
+          <a:lnRef idx="2">
+            <a:schemeClr val="accent1">
+              <a:shade val="50000"/>
+            </a:schemeClr>
+          </a:lnRef>
+          <a:fillRef idx="1">
+            <a:schemeClr val="accent1"/>
+          </a:fillRef>
+          <a:effectRef idx="0">
+            <a:schemeClr val="accent1"/>
+          </a:effectRef>
+          <a:fontRef idx="minor">
+            <a:schemeClr val="lt1"/>
+          </a:fontRef>
+        </p:style>
+        <p:txBody>
+          <a:bodyPr rtlCol="0" anchor="ctr"/>
+          <a:lstStyle/>
+          <a:p>
+            <a:endParaRPr lang="en-JM" sz="900" dirty="0"/>
+          </a:p>
+          <a:p>
+            <a:r>
+              <a:rPr lang="en-JM" sz="900" dirty="0"/>
+              <a:t>cat &gt; petclinic.sh &lt;&lt;EOF</a:t>
+            </a:r>
+          </a:p>
+          <a:p>
+            <a:r>
+              <a:rPr lang="en-JM" sz="900" dirty="0"/>
+              <a:t>#!/bin/</a:t>
+            </a:r>
+            <a:r>
+              <a:rPr lang="en-JM" sz="900" dirty="0" err="1"/>
+              <a:t>sh</a:t>
+            </a:r>
+            <a:endParaRPr lang="en-JM" sz="900" dirty="0"/>
+          </a:p>
+          <a:p>
+            <a:r>
+              <a:rPr lang="en-JM" sz="900" dirty="0"/>
+              <a:t>java -jar /home/</a:t>
+            </a:r>
+            <a:r>
+              <a:rPr lang="en-JM" sz="900" dirty="0" err="1"/>
+              <a:t>ubuntu</a:t>
+            </a:r>
+            <a:r>
+              <a:rPr lang="en-JM" sz="900" dirty="0"/>
+              <a:t>/*.jar</a:t>
+            </a:r>
+          </a:p>
+          <a:p>
+            <a:endParaRPr lang="en-JM" sz="900" dirty="0"/>
+          </a:p>
+          <a:p>
+            <a:r>
+              <a:rPr lang="en-JM" sz="900" dirty="0"/>
+              <a:t>EOF</a:t>
+            </a:r>
+          </a:p>
+          <a:p>
+            <a:endParaRPr lang="en-JM" sz="900" dirty="0"/>
+          </a:p>
+          <a:p>
+            <a:r>
+              <a:rPr lang="en-JM" sz="900" dirty="0" err="1"/>
+              <a:t>chmod</a:t>
+            </a:r>
+            <a:r>
+              <a:rPr lang="en-JM" sz="900" dirty="0"/>
+              <a:t> </a:t>
+            </a:r>
+            <a:r>
+              <a:rPr lang="en-JM" sz="900" dirty="0" err="1"/>
+              <a:t>a+x</a:t>
+            </a:r>
+            <a:r>
+              <a:rPr lang="en-JM" sz="900" dirty="0"/>
+              <a:t> petclinic.sh</a:t>
+            </a:r>
+          </a:p>
+          <a:p>
+            <a:endParaRPr lang="en-JM" sz="900" dirty="0"/>
+          </a:p>
+          <a:p>
+            <a:r>
+              <a:rPr lang="en-JM" sz="900" dirty="0"/>
+              <a:t>cat &gt; </a:t>
+            </a:r>
+            <a:r>
+              <a:rPr lang="en-JM" sz="900" dirty="0" err="1"/>
+              <a:t>petclinic.service</a:t>
+            </a:r>
+            <a:r>
+              <a:rPr lang="en-JM" sz="900" dirty="0"/>
+              <a:t> &lt;&lt;EOF</a:t>
+            </a:r>
+          </a:p>
+          <a:p>
+            <a:r>
+              <a:rPr lang="en-JM" sz="900" dirty="0"/>
+              <a:t>[Unit]</a:t>
+            </a:r>
+          </a:p>
+          <a:p>
+            <a:r>
+              <a:rPr lang="en-JM" sz="900" dirty="0"/>
+              <a:t>Description=Run petclinic.sh</a:t>
+            </a:r>
+          </a:p>
+          <a:p>
+            <a:r>
+              <a:rPr lang="en-JM" sz="900" dirty="0"/>
+              <a:t>[Service]</a:t>
+            </a:r>
+          </a:p>
+          <a:p>
+            <a:r>
+              <a:rPr lang="en-JM" sz="900" dirty="0"/>
+              <a:t>ExecStart=/home/ubuntu/petclinic.sh</a:t>
+            </a:r>
+          </a:p>
+          <a:p>
+            <a:r>
+              <a:rPr lang="en-JM" sz="900" dirty="0"/>
+              <a:t>[Install]</a:t>
+            </a:r>
+          </a:p>
+          <a:p>
+            <a:r>
+              <a:rPr lang="en-JM" sz="900" dirty="0" err="1"/>
+              <a:t>WantedBy</a:t>
+            </a:r>
+            <a:r>
+              <a:rPr lang="en-JM" sz="900" dirty="0"/>
+              <a:t>=multi-</a:t>
+            </a:r>
+            <a:r>
+              <a:rPr lang="en-JM" sz="900" dirty="0" err="1"/>
+              <a:t>user.target</a:t>
+            </a:r>
+            <a:endParaRPr lang="en-JM" sz="900" dirty="0"/>
+          </a:p>
+          <a:p>
+            <a:endParaRPr lang="en-JM" sz="900" dirty="0"/>
+          </a:p>
+          <a:p>
+            <a:r>
+              <a:rPr lang="en-JM" sz="900" dirty="0"/>
+              <a:t>EOF</a:t>
+            </a:r>
+          </a:p>
+          <a:p>
+            <a:endParaRPr lang="en-JM" sz="900" dirty="0"/>
+          </a:p>
+          <a:p>
+            <a:r>
+              <a:rPr lang="en-JM" sz="900" dirty="0"/>
+              <a:t>cat &gt; petclinicservice.sh &lt;&lt;EOF</a:t>
+            </a:r>
+          </a:p>
+          <a:p>
+            <a:r>
+              <a:rPr lang="en-JM" sz="900" dirty="0"/>
+              <a:t># remove prev. service</a:t>
+            </a:r>
+          </a:p>
+          <a:p>
+            <a:r>
+              <a:rPr lang="en-JM" sz="900" dirty="0" err="1"/>
+              <a:t>sudo</a:t>
+            </a:r>
+            <a:r>
+              <a:rPr lang="en-JM" sz="900" dirty="0"/>
+              <a:t> </a:t>
+            </a:r>
+            <a:r>
+              <a:rPr lang="en-JM" sz="900" dirty="0" err="1"/>
+              <a:t>systemctl</a:t>
+            </a:r>
+            <a:r>
+              <a:rPr lang="en-JM" sz="900" dirty="0"/>
+              <a:t> stop </a:t>
+            </a:r>
+            <a:r>
+              <a:rPr lang="en-JM" sz="900" dirty="0" err="1"/>
+              <a:t>petclinic.service</a:t>
+            </a:r>
+            <a:endParaRPr lang="en-JM" sz="900" dirty="0"/>
+          </a:p>
+          <a:p>
+            <a:r>
+              <a:rPr lang="en-JM" sz="900" dirty="0" err="1"/>
+              <a:t>sudo</a:t>
+            </a:r>
+            <a:r>
+              <a:rPr lang="en-JM" sz="900" dirty="0"/>
+              <a:t> </a:t>
+            </a:r>
+            <a:r>
+              <a:rPr lang="en-JM" sz="900" dirty="0" err="1"/>
+              <a:t>systemctl</a:t>
+            </a:r>
+            <a:r>
+              <a:rPr lang="en-JM" sz="900" dirty="0"/>
+              <a:t> disable </a:t>
+            </a:r>
+            <a:r>
+              <a:rPr lang="en-JM" sz="900" dirty="0" err="1"/>
+              <a:t>petclinic.service</a:t>
+            </a:r>
+            <a:endParaRPr lang="en-JM" sz="900" dirty="0"/>
+          </a:p>
+          <a:p>
+            <a:endParaRPr lang="en-JM" sz="900" dirty="0"/>
+          </a:p>
+          <a:p>
+            <a:r>
+              <a:rPr lang="en-JM" sz="900" dirty="0"/>
+              <a:t># move service to </a:t>
+            </a:r>
+            <a:r>
+              <a:rPr lang="en-JM" sz="900" dirty="0" err="1"/>
+              <a:t>dst</a:t>
+            </a:r>
+            <a:r>
+              <a:rPr lang="en-JM" sz="900" dirty="0"/>
+              <a:t> </a:t>
+            </a:r>
+            <a:r>
+              <a:rPr lang="en-JM" sz="900" dirty="0" err="1"/>
+              <a:t>dir</a:t>
+            </a:r>
+            <a:endParaRPr lang="en-JM" sz="900" dirty="0"/>
+          </a:p>
+          <a:p>
+            <a:r>
+              <a:rPr lang="en-JM" sz="900" dirty="0" err="1"/>
+              <a:t>sudo</a:t>
+            </a:r>
+            <a:r>
+              <a:rPr lang="en-JM" sz="900" dirty="0"/>
+              <a:t> mv </a:t>
+            </a:r>
+            <a:r>
+              <a:rPr lang="en-JM" sz="900" dirty="0" err="1"/>
+              <a:t>petclinic.service</a:t>
+            </a:r>
+            <a:r>
+              <a:rPr lang="en-JM" sz="900" dirty="0"/>
+              <a:t> /</a:t>
+            </a:r>
+            <a:r>
+              <a:rPr lang="en-JM" sz="900" dirty="0" err="1"/>
+              <a:t>etc</a:t>
+            </a:r>
+            <a:r>
+              <a:rPr lang="en-JM" sz="900" dirty="0"/>
+              <a:t>/</a:t>
+            </a:r>
+            <a:r>
+              <a:rPr lang="en-JM" sz="900" dirty="0" err="1"/>
+              <a:t>systemd</a:t>
+            </a:r>
+            <a:r>
+              <a:rPr lang="en-JM" sz="900" dirty="0"/>
+              <a:t>/system/</a:t>
+            </a:r>
+          </a:p>
+          <a:p>
+            <a:endParaRPr lang="en-JM" sz="900" dirty="0"/>
+          </a:p>
+          <a:p>
+            <a:r>
+              <a:rPr lang="en-JM" sz="900" dirty="0"/>
+              <a:t># start service</a:t>
+            </a:r>
+          </a:p>
+          <a:p>
+            <a:r>
+              <a:rPr lang="en-JM" sz="900" dirty="0" err="1"/>
+              <a:t>sudo</a:t>
+            </a:r>
+            <a:r>
+              <a:rPr lang="en-JM" sz="900" dirty="0"/>
+              <a:t> </a:t>
+            </a:r>
+            <a:r>
+              <a:rPr lang="en-JM" sz="900" dirty="0" err="1"/>
+              <a:t>systemctl</a:t>
+            </a:r>
+            <a:r>
+              <a:rPr lang="en-JM" sz="900" dirty="0"/>
+              <a:t> daemon-reload</a:t>
+            </a:r>
+          </a:p>
+          <a:p>
+            <a:r>
+              <a:rPr lang="en-JM" sz="900" dirty="0" err="1"/>
+              <a:t>sudo</a:t>
+            </a:r>
+            <a:r>
+              <a:rPr lang="en-JM" sz="900" dirty="0"/>
+              <a:t> </a:t>
+            </a:r>
+            <a:r>
+              <a:rPr lang="en-JM" sz="900" dirty="0" err="1"/>
+              <a:t>systemctl</a:t>
+            </a:r>
+            <a:r>
+              <a:rPr lang="en-JM" sz="900" dirty="0"/>
+              <a:t> enable </a:t>
+            </a:r>
+            <a:r>
+              <a:rPr lang="en-JM" sz="900" dirty="0" err="1"/>
+              <a:t>petclinic.service</a:t>
+            </a:r>
+            <a:endParaRPr lang="en-JM" sz="900" dirty="0"/>
+          </a:p>
+          <a:p>
+            <a:r>
+              <a:rPr lang="en-JM" sz="900" dirty="0" err="1"/>
+              <a:t>sudo</a:t>
+            </a:r>
+            <a:r>
+              <a:rPr lang="en-JM" sz="900" dirty="0"/>
+              <a:t> </a:t>
+            </a:r>
+            <a:r>
+              <a:rPr lang="en-JM" sz="900" dirty="0" err="1"/>
+              <a:t>systemctl</a:t>
+            </a:r>
+            <a:r>
+              <a:rPr lang="en-JM" sz="900" dirty="0"/>
+              <a:t> start </a:t>
+            </a:r>
+            <a:r>
+              <a:rPr lang="en-JM" sz="900" dirty="0" err="1"/>
+              <a:t>petclinic.service</a:t>
+            </a:r>
+            <a:endParaRPr lang="en-JM" sz="900" dirty="0"/>
+          </a:p>
+          <a:p>
+            <a:r>
+              <a:rPr lang="en-JM" sz="900" dirty="0" err="1"/>
+              <a:t>sudo</a:t>
+            </a:r>
+            <a:r>
+              <a:rPr lang="en-JM" sz="900" dirty="0"/>
+              <a:t> </a:t>
+            </a:r>
+            <a:r>
+              <a:rPr lang="en-JM" sz="900" dirty="0" err="1"/>
+              <a:t>systemctl</a:t>
+            </a:r>
+            <a:r>
+              <a:rPr lang="en-JM" sz="900" dirty="0"/>
+              <a:t> status </a:t>
+            </a:r>
+            <a:r>
+              <a:rPr lang="en-JM" sz="900" dirty="0" err="1"/>
+              <a:t>petclinic.service</a:t>
+            </a:r>
+            <a:endParaRPr lang="en-JM" sz="900" dirty="0"/>
+          </a:p>
+          <a:p>
+            <a:endParaRPr lang="en-JM" sz="900" dirty="0"/>
+          </a:p>
+          <a:p>
+            <a:r>
+              <a:rPr lang="en-JM" sz="900" dirty="0"/>
+              <a:t>EOF</a:t>
+            </a:r>
+          </a:p>
+          <a:p>
+            <a:endParaRPr lang="en-JM" sz="900" dirty="0"/>
+          </a:p>
+          <a:p>
+            <a:r>
+              <a:rPr lang="en-JM" sz="900" dirty="0" err="1"/>
+              <a:t>chmod</a:t>
+            </a:r>
+            <a:r>
+              <a:rPr lang="en-JM" sz="900" dirty="0"/>
+              <a:t> </a:t>
+            </a:r>
+            <a:r>
+              <a:rPr lang="en-JM" sz="900" dirty="0" err="1"/>
+              <a:t>a+x</a:t>
+            </a:r>
+            <a:r>
+              <a:rPr lang="en-JM" sz="900" dirty="0"/>
+              <a:t> petclinicservice.sh</a:t>
+            </a:r>
+          </a:p>
+          <a:p>
+            <a:endParaRPr lang="en-JM" sz="900" dirty="0"/>
+          </a:p>
+          <a:p>
+            <a:r>
+              <a:rPr lang="en-JM" sz="900" dirty="0"/>
+              <a:t># copy new file to web server</a:t>
+            </a:r>
+          </a:p>
+          <a:p>
+            <a:r>
+              <a:rPr lang="en-JM" sz="900" dirty="0" err="1"/>
+              <a:t>scp</a:t>
+            </a:r>
+            <a:r>
+              <a:rPr lang="en-JM" sz="900" dirty="0"/>
+              <a:t> -o </a:t>
+            </a:r>
+            <a:r>
+              <a:rPr lang="en-JM" sz="900" dirty="0" err="1"/>
+              <a:t>StrictHostKeyChecking</a:t>
+            </a:r>
+            <a:r>
+              <a:rPr lang="en-JM" sz="900" dirty="0"/>
+              <a:t>=no ./petclinic.* ubuntu@172.31.22.175:/home/</a:t>
+            </a:r>
+            <a:r>
+              <a:rPr lang="en-JM" sz="900" dirty="0" err="1"/>
+              <a:t>ubuntu</a:t>
+            </a:r>
+            <a:r>
+              <a:rPr lang="en-JM" sz="900" dirty="0"/>
+              <a:t>/</a:t>
+            </a:r>
+          </a:p>
+          <a:p>
+            <a:r>
+              <a:rPr lang="en-JM" sz="900" dirty="0" err="1"/>
+              <a:t>scp</a:t>
+            </a:r>
+            <a:r>
+              <a:rPr lang="en-JM" sz="900" dirty="0"/>
+              <a:t> -o </a:t>
+            </a:r>
+            <a:r>
+              <a:rPr lang="en-JM" sz="900" dirty="0" err="1"/>
+              <a:t>StrictHostKeyChecking</a:t>
+            </a:r>
+            <a:r>
+              <a:rPr lang="en-JM" sz="900" dirty="0"/>
+              <a:t>=no petclinicservice.sh ubuntu@172.31.22.175:/home/</a:t>
+            </a:r>
+            <a:r>
+              <a:rPr lang="en-JM" sz="900" dirty="0" err="1"/>
+              <a:t>ubuntu</a:t>
+            </a:r>
+            <a:r>
+              <a:rPr lang="en-JM" sz="900" dirty="0"/>
+              <a:t>/</a:t>
+            </a:r>
+          </a:p>
+          <a:p>
+            <a:r>
+              <a:rPr lang="en-JM" sz="900" dirty="0" err="1"/>
+              <a:t>ssh</a:t>
+            </a:r>
+            <a:r>
+              <a:rPr lang="en-JM" sz="900" dirty="0"/>
+              <a:t> -o </a:t>
+            </a:r>
+            <a:r>
+              <a:rPr lang="en-JM" sz="900" dirty="0" err="1"/>
+              <a:t>StrictHostKeyChecking</a:t>
+            </a:r>
+            <a:r>
+              <a:rPr lang="en-JM" sz="900" dirty="0"/>
+              <a:t>=no ubuntu@172.31.22.175 ./</a:t>
+            </a:r>
+            <a:r>
+              <a:rPr lang="en-JM" sz="900" dirty="0" smtClean="0"/>
+              <a:t>petclinicservice.sh</a:t>
+            </a:r>
+            <a:endParaRPr lang="en-JM" sz="900" dirty="0"/>
           </a:p>
         </p:txBody>
       </p:sp>
